--- a/docs/SRS/SystemContextFigure.pptx
+++ b/docs/SRS/SystemContextFigure.pptx
@@ -304,7 +304,7 @@
           <a:p>
             <a:fld id="{779256A2-DE0C-7447-B687-786F38514E8C}" type="datetimeFigureOut">
               <a:rPr lang="en-US" smtClean="0"/>
-              <a:t>9/4/19</a:t>
+              <a:t>1/27/2026</a:t>
             </a:fld>
             <a:endParaRPr lang="en-US"/>
           </a:p>
@@ -474,7 +474,7 @@
           <a:p>
             <a:fld id="{779256A2-DE0C-7447-B687-786F38514E8C}" type="datetimeFigureOut">
               <a:rPr lang="en-US" smtClean="0"/>
-              <a:t>9/4/19</a:t>
+              <a:t>1/27/2026</a:t>
             </a:fld>
             <a:endParaRPr lang="en-US"/>
           </a:p>
@@ -654,7 +654,7 @@
           <a:p>
             <a:fld id="{779256A2-DE0C-7447-B687-786F38514E8C}" type="datetimeFigureOut">
               <a:rPr lang="en-US" smtClean="0"/>
-              <a:t>9/4/19</a:t>
+              <a:t>1/27/2026</a:t>
             </a:fld>
             <a:endParaRPr lang="en-US"/>
           </a:p>
@@ -824,7 +824,7 @@
           <a:p>
             <a:fld id="{779256A2-DE0C-7447-B687-786F38514E8C}" type="datetimeFigureOut">
               <a:rPr lang="en-US" smtClean="0"/>
-              <a:t>9/4/19</a:t>
+              <a:t>1/27/2026</a:t>
             </a:fld>
             <a:endParaRPr lang="en-US"/>
           </a:p>
@@ -1070,7 +1070,7 @@
           <a:p>
             <a:fld id="{779256A2-DE0C-7447-B687-786F38514E8C}" type="datetimeFigureOut">
               <a:rPr lang="en-US" smtClean="0"/>
-              <a:t>9/4/19</a:t>
+              <a:t>1/27/2026</a:t>
             </a:fld>
             <a:endParaRPr lang="en-US"/>
           </a:p>
@@ -1358,7 +1358,7 @@
           <a:p>
             <a:fld id="{779256A2-DE0C-7447-B687-786F38514E8C}" type="datetimeFigureOut">
               <a:rPr lang="en-US" smtClean="0"/>
-              <a:t>9/4/19</a:t>
+              <a:t>1/27/2026</a:t>
             </a:fld>
             <a:endParaRPr lang="en-US"/>
           </a:p>
@@ -1780,7 +1780,7 @@
           <a:p>
             <a:fld id="{779256A2-DE0C-7447-B687-786F38514E8C}" type="datetimeFigureOut">
               <a:rPr lang="en-US" smtClean="0"/>
-              <a:t>9/4/19</a:t>
+              <a:t>1/27/2026</a:t>
             </a:fld>
             <a:endParaRPr lang="en-US"/>
           </a:p>
@@ -1898,7 +1898,7 @@
           <a:p>
             <a:fld id="{779256A2-DE0C-7447-B687-786F38514E8C}" type="datetimeFigureOut">
               <a:rPr lang="en-US" smtClean="0"/>
-              <a:t>9/4/19</a:t>
+              <a:t>1/27/2026</a:t>
             </a:fld>
             <a:endParaRPr lang="en-US"/>
           </a:p>
@@ -1993,7 +1993,7 @@
           <a:p>
             <a:fld id="{779256A2-DE0C-7447-B687-786F38514E8C}" type="datetimeFigureOut">
               <a:rPr lang="en-US" smtClean="0"/>
-              <a:t>9/4/19</a:t>
+              <a:t>1/27/2026</a:t>
             </a:fld>
             <a:endParaRPr lang="en-US"/>
           </a:p>
@@ -2270,7 +2270,7 @@
           <a:p>
             <a:fld id="{779256A2-DE0C-7447-B687-786F38514E8C}" type="datetimeFigureOut">
               <a:rPr lang="en-US" smtClean="0"/>
-              <a:t>9/4/19</a:t>
+              <a:t>1/27/2026</a:t>
             </a:fld>
             <a:endParaRPr lang="en-US"/>
           </a:p>
@@ -2523,7 +2523,7 @@
           <a:p>
             <a:fld id="{779256A2-DE0C-7447-B687-786F38514E8C}" type="datetimeFigureOut">
               <a:rPr lang="en-US" smtClean="0"/>
-              <a:t>9/4/19</a:t>
+              <a:t>1/27/2026</a:t>
             </a:fld>
             <a:endParaRPr lang="en-US"/>
           </a:p>
@@ -2736,7 +2736,7 @@
           <a:p>
             <a:fld id="{779256A2-DE0C-7447-B687-786F38514E8C}" type="datetimeFigureOut">
               <a:rPr lang="en-US" smtClean="0"/>
-              <a:t>9/4/19</a:t>
+              <a:t>1/27/2026</a:t>
             </a:fld>
             <a:endParaRPr lang="en-US"/>
           </a:p>
@@ -3119,10 +3119,10 @@
         </p:nvGrpSpPr>
         <p:grpSpPr>
           <a:xfrm>
-            <a:off x="189913" y="2868373"/>
-            <a:ext cx="8858711" cy="1252941"/>
+            <a:off x="134691" y="3552186"/>
+            <a:ext cx="8858711" cy="1554677"/>
             <a:chOff x="189913" y="3381165"/>
-            <a:chExt cx="8858711" cy="1252941"/>
+            <a:chExt cx="8858711" cy="1554677"/>
           </a:xfrm>
         </p:grpSpPr>
         <p:grpSp>
@@ -3333,9 +3333,9 @@
           <p:grpSpPr>
             <a:xfrm>
               <a:off x="3885481" y="3381165"/>
-              <a:ext cx="1523744" cy="1246370"/>
+              <a:ext cx="1483694" cy="1246370"/>
               <a:chOff x="3703297" y="1721177"/>
-              <a:chExt cx="1523744" cy="1246370"/>
+              <a:chExt cx="1483694" cy="1246370"/>
             </a:xfrm>
           </p:grpSpPr>
           <p:sp>
@@ -3394,8 +3394,8 @@
             </p:nvSpPr>
             <p:spPr>
               <a:xfrm>
-                <a:off x="3726309" y="2113529"/>
-                <a:ext cx="1500732" cy="461665"/>
+                <a:off x="3843281" y="1874089"/>
+                <a:ext cx="1225015" cy="830997"/>
               </a:xfrm>
               <a:prstGeom prst="rect">
                 <a:avLst/>
@@ -3409,11 +3409,24 @@
               <a:lstStyle/>
               <a:p>
                 <a:r>
-                  <a:rPr lang="en-US" sz="2400" dirty="0" err="1">
+                  <a:rPr lang="en-US" altLang="zh-CN" sz="2400" dirty="0" err="1">
                     <a:latin typeface="Times New Roman"/>
                     <a:cs typeface="Times New Roman"/>
                   </a:rPr>
-                  <a:t>ProgName</a:t>
+                  <a:t>Eelbrain</a:t>
+                </a:r>
+                <a:endParaRPr lang="en-US" altLang="zh-CN" sz="2400" dirty="0">
+                  <a:latin typeface="Times New Roman"/>
+                  <a:cs typeface="Times New Roman"/>
+                </a:endParaRPr>
+              </a:p>
+              <a:p>
+                <a:r>
+                  <a:rPr lang="en-US" altLang="zh-CN" sz="2400" dirty="0">
+                    <a:latin typeface="Times New Roman"/>
+                    <a:cs typeface="Times New Roman"/>
+                  </a:rPr>
+                  <a:t>pipeline</a:t>
                 </a:r>
                 <a:endParaRPr lang="en-US" sz="2400" dirty="0">
                   <a:latin typeface="Times New Roman"/>
@@ -3508,8 +3521,8 @@
           </p:nvSpPr>
           <p:spPr>
             <a:xfrm>
-              <a:off x="1745191" y="3577615"/>
-              <a:ext cx="1114408" cy="369332"/>
+              <a:off x="1454620" y="4104845"/>
+              <a:ext cx="2430861" cy="830997"/>
             </a:xfrm>
             <a:prstGeom prst="rect">
               <a:avLst/>
@@ -3517,17 +3530,26 @@
             <a:noFill/>
           </p:spPr>
           <p:txBody>
-            <a:bodyPr wrap="none" rtlCol="0">
+            <a:bodyPr wrap="square" rtlCol="0">
               <a:spAutoFit/>
             </a:bodyPr>
             <a:lstStyle/>
             <a:p>
               <a:r>
-                <a:rPr lang="en-US" dirty="0">
+                <a:rPr lang="en-US" sz="1600" dirty="0">
                   <a:latin typeface="Times New Roman"/>
                   <a:cs typeface="Times New Roman"/>
                 </a:rPr>
-                <a:t>Inputs: …</a:t>
+                <a:t>Inputs: M/EEG dataset</a:t>
+              </a:r>
+            </a:p>
+            <a:p>
+              <a:r>
+                <a:rPr lang="en-US" sz="1600" dirty="0">
+                  <a:latin typeface="Times New Roman"/>
+                  <a:cs typeface="Times New Roman"/>
+                </a:rPr>
+                <a:t>in BIDS format, experiment configuration</a:t>
               </a:r>
             </a:p>
           </p:txBody>
@@ -3540,8 +3562,8 @@
           </p:nvSpPr>
           <p:spPr>
             <a:xfrm>
-              <a:off x="5369175" y="3577615"/>
-              <a:ext cx="1268296" cy="369332"/>
+              <a:off x="5471751" y="4084436"/>
+              <a:ext cx="2360565" cy="830997"/>
             </a:xfrm>
             <a:prstGeom prst="rect">
               <a:avLst/>
@@ -3549,22 +3571,255 @@
             <a:noFill/>
           </p:spPr>
           <p:txBody>
-            <a:bodyPr wrap="none" rtlCol="0">
+            <a:bodyPr wrap="square" rtlCol="0">
               <a:spAutoFit/>
             </a:bodyPr>
             <a:lstStyle/>
             <a:p>
               <a:r>
-                <a:rPr lang="en-US" dirty="0">
+                <a:rPr lang="en-US" sz="1600" dirty="0">
                   <a:latin typeface="Times New Roman"/>
                   <a:cs typeface="Times New Roman"/>
                 </a:rPr>
-                <a:t>Outputs: …</a:t>
+                <a:t>Outputs: Processed M/EEG data represented as Python objects</a:t>
               </a:r>
             </a:p>
           </p:txBody>
         </p:sp>
       </p:grpSp>
+      <p:sp>
+        <p:nvSpPr>
+          <p:cNvPr id="3" name="Oval 7">
+            <a:extLst>
+              <a:ext uri="{FF2B5EF4-FFF2-40B4-BE49-F238E27FC236}">
+                <a16:creationId xmlns:a16="http://schemas.microsoft.com/office/drawing/2014/main" id="{3CB7FAD7-4A7C-0AE2-1833-F109677EF7DC}"/>
+              </a:ext>
+            </a:extLst>
+          </p:cNvPr>
+          <p:cNvSpPr/>
+          <p:nvPr/>
+        </p:nvSpPr>
+        <p:spPr>
+          <a:xfrm>
+            <a:off x="3830259" y="985962"/>
+            <a:ext cx="1373055" cy="1332745"/>
+          </a:xfrm>
+          <a:prstGeom prst="ellipse">
+            <a:avLst/>
+          </a:prstGeom>
+          <a:noFill/>
+          <a:ln w="38100" cmpd="sng">
+            <a:solidFill>
+              <a:schemeClr val="tx1"/>
+            </a:solidFill>
+          </a:ln>
+          <a:effectLst/>
+        </p:spPr>
+        <p:style>
+          <a:lnRef idx="1">
+            <a:schemeClr val="accent1"/>
+          </a:lnRef>
+          <a:fillRef idx="3">
+            <a:schemeClr val="accent1"/>
+          </a:fillRef>
+          <a:effectRef idx="2">
+            <a:schemeClr val="accent1"/>
+          </a:effectRef>
+          <a:fontRef idx="minor">
+            <a:schemeClr val="lt1"/>
+          </a:fontRef>
+        </p:style>
+        <p:txBody>
+          <a:bodyPr rtlCol="0" anchor="ctr"/>
+          <a:lstStyle/>
+          <a:p>
+            <a:pPr algn="ctr"/>
+            <a:r>
+              <a:rPr lang="en-US" altLang="zh-CN" sz="2000" dirty="0">
+                <a:solidFill>
+                  <a:schemeClr val="tx1"/>
+                </a:solidFill>
+                <a:latin typeface="Times New Roman" panose="02020603050405020304" pitchFamily="18" charset="0"/>
+                <a:cs typeface="Times New Roman" panose="02020603050405020304" pitchFamily="18" charset="0"/>
+              </a:rPr>
+              <a:t>MNE-Python</a:t>
+            </a:r>
+            <a:endParaRPr lang="en-US" sz="2000" dirty="0">
+              <a:solidFill>
+                <a:schemeClr val="tx1"/>
+              </a:solidFill>
+              <a:latin typeface="Times New Roman" panose="02020603050405020304" pitchFamily="18" charset="0"/>
+              <a:cs typeface="Times New Roman" panose="02020603050405020304" pitchFamily="18" charset="0"/>
+            </a:endParaRPr>
+          </a:p>
+        </p:txBody>
+      </p:sp>
+      <p:cxnSp>
+        <p:nvCxnSpPr>
+          <p:cNvPr id="11" name="Straight Arrow Connector 24">
+            <a:extLst>
+              <a:ext uri="{FF2B5EF4-FFF2-40B4-BE49-F238E27FC236}">
+                <a16:creationId xmlns:a16="http://schemas.microsoft.com/office/drawing/2014/main" id="{2B549470-68A0-2806-5397-A94C534D56DA}"/>
+              </a:ext>
+            </a:extLst>
+          </p:cNvPr>
+          <p:cNvCxnSpPr>
+            <a:cxnSpLocks/>
+          </p:cNvCxnSpPr>
+          <p:nvPr/>
+        </p:nvCxnSpPr>
+        <p:spPr>
+          <a:xfrm flipV="1">
+            <a:off x="4237830" y="2266122"/>
+            <a:ext cx="0" cy="1269488"/>
+          </a:xfrm>
+          <a:prstGeom prst="straightConnector1">
+            <a:avLst/>
+          </a:prstGeom>
+          <a:ln w="38100" cmpd="sng">
+            <a:solidFill>
+              <a:schemeClr val="tx1"/>
+            </a:solidFill>
+            <a:tailEnd type="arrow"/>
+          </a:ln>
+          <a:effectLst/>
+        </p:spPr>
+        <p:style>
+          <a:lnRef idx="2">
+            <a:schemeClr val="accent1"/>
+          </a:lnRef>
+          <a:fillRef idx="0">
+            <a:schemeClr val="accent1"/>
+          </a:fillRef>
+          <a:effectRef idx="1">
+            <a:schemeClr val="accent1"/>
+          </a:effectRef>
+          <a:fontRef idx="minor">
+            <a:schemeClr val="tx1"/>
+          </a:fontRef>
+        </p:style>
+      </p:cxnSp>
+      <p:cxnSp>
+        <p:nvCxnSpPr>
+          <p:cNvPr id="15" name="Straight Arrow Connector 24">
+            <a:extLst>
+              <a:ext uri="{FF2B5EF4-FFF2-40B4-BE49-F238E27FC236}">
+                <a16:creationId xmlns:a16="http://schemas.microsoft.com/office/drawing/2014/main" id="{3D902E8A-94F9-D019-798B-B7254785A7D4}"/>
+              </a:ext>
+            </a:extLst>
+          </p:cNvPr>
+          <p:cNvCxnSpPr>
+            <a:cxnSpLocks/>
+          </p:cNvCxnSpPr>
+          <p:nvPr/>
+        </p:nvCxnSpPr>
+        <p:spPr>
+          <a:xfrm>
+            <a:off x="4811649" y="2266122"/>
+            <a:ext cx="0" cy="1292635"/>
+          </a:xfrm>
+          <a:prstGeom prst="straightConnector1">
+            <a:avLst/>
+          </a:prstGeom>
+          <a:ln w="38100" cmpd="sng">
+            <a:solidFill>
+              <a:schemeClr val="tx1"/>
+            </a:solidFill>
+            <a:tailEnd type="arrow"/>
+          </a:ln>
+          <a:effectLst/>
+        </p:spPr>
+        <p:style>
+          <a:lnRef idx="2">
+            <a:schemeClr val="accent1"/>
+          </a:lnRef>
+          <a:fillRef idx="0">
+            <a:schemeClr val="accent1"/>
+          </a:fillRef>
+          <a:effectRef idx="1">
+            <a:schemeClr val="accent1"/>
+          </a:effectRef>
+          <a:fontRef idx="minor">
+            <a:schemeClr val="tx1"/>
+          </a:fontRef>
+        </p:style>
+      </p:cxnSp>
+      <p:sp>
+        <p:nvSpPr>
+          <p:cNvPr id="23" name="TextBox 33">
+            <a:extLst>
+              <a:ext uri="{FF2B5EF4-FFF2-40B4-BE49-F238E27FC236}">
+                <a16:creationId xmlns:a16="http://schemas.microsoft.com/office/drawing/2014/main" id="{FDD8428D-3FB6-F735-5E95-9F6AC1159F7B}"/>
+              </a:ext>
+            </a:extLst>
+          </p:cNvPr>
+          <p:cNvSpPr txBox="1"/>
+          <p:nvPr/>
+        </p:nvSpPr>
+        <p:spPr>
+          <a:xfrm>
+            <a:off x="2274071" y="2520731"/>
+            <a:ext cx="1963759" cy="584775"/>
+          </a:xfrm>
+          <a:prstGeom prst="rect">
+            <a:avLst/>
+          </a:prstGeom>
+          <a:noFill/>
+        </p:spPr>
+        <p:txBody>
+          <a:bodyPr wrap="square" rtlCol="0">
+            <a:spAutoFit/>
+          </a:bodyPr>
+          <a:lstStyle/>
+          <a:p>
+            <a:r>
+              <a:rPr lang="en-US" sz="1600" dirty="0">
+                <a:latin typeface="Times New Roman"/>
+                <a:cs typeface="Times New Roman"/>
+              </a:rPr>
+              <a:t>File paths, processing parameters</a:t>
+            </a:r>
+          </a:p>
+        </p:txBody>
+      </p:sp>
+      <p:sp>
+        <p:nvSpPr>
+          <p:cNvPr id="24" name="TextBox 34">
+            <a:extLst>
+              <a:ext uri="{FF2B5EF4-FFF2-40B4-BE49-F238E27FC236}">
+                <a16:creationId xmlns:a16="http://schemas.microsoft.com/office/drawing/2014/main" id="{FC314339-A76B-3362-8FB7-FFA49D90931D}"/>
+              </a:ext>
+            </a:extLst>
+          </p:cNvPr>
+          <p:cNvSpPr txBox="1"/>
+          <p:nvPr/>
+        </p:nvSpPr>
+        <p:spPr>
+          <a:xfrm>
+            <a:off x="4834450" y="2397619"/>
+            <a:ext cx="2110212" cy="830997"/>
+          </a:xfrm>
+          <a:prstGeom prst="rect">
+            <a:avLst/>
+          </a:prstGeom>
+          <a:noFill/>
+        </p:spPr>
+        <p:txBody>
+          <a:bodyPr wrap="square" rtlCol="0">
+            <a:spAutoFit/>
+          </a:bodyPr>
+          <a:lstStyle/>
+          <a:p>
+            <a:r>
+              <a:rPr lang="en-US" sz="1600" dirty="0">
+                <a:latin typeface="Times New Roman"/>
+                <a:cs typeface="Times New Roman"/>
+              </a:rPr>
+              <a:t>Processed M/EEG data represented as Python objects</a:t>
+            </a:r>
+          </a:p>
+        </p:txBody>
+      </p:sp>
     </p:spTree>
     <p:extLst>
       <p:ext uri="{BB962C8B-B14F-4D97-AF65-F5344CB8AC3E}">
